--- a/documents/Pronounce.pptx
+++ b/documents/Pronounce.pptx
@@ -6,23 +6,25 @@
     <p:sldMasterId id="2147483673" r:id="rId2"/>
   </p:sldMasterIdLst>
   <p:notesMasterIdLst>
-    <p:notesMasterId r:id="rId17"/>
+    <p:notesMasterId r:id="rId19"/>
   </p:notesMasterIdLst>
   <p:sldIdLst>
     <p:sldId id="356" r:id="rId3"/>
     <p:sldId id="348" r:id="rId4"/>
     <p:sldId id="353" r:id="rId5"/>
     <p:sldId id="364" r:id="rId6"/>
-    <p:sldId id="365" r:id="rId7"/>
-    <p:sldId id="358" r:id="rId8"/>
-    <p:sldId id="359" r:id="rId9"/>
-    <p:sldId id="354" r:id="rId10"/>
-    <p:sldId id="363" r:id="rId11"/>
-    <p:sldId id="355" r:id="rId12"/>
-    <p:sldId id="361" r:id="rId13"/>
-    <p:sldId id="366" r:id="rId14"/>
-    <p:sldId id="367" r:id="rId15"/>
-    <p:sldId id="362" r:id="rId16"/>
+    <p:sldId id="368" r:id="rId7"/>
+    <p:sldId id="369" r:id="rId8"/>
+    <p:sldId id="365" r:id="rId9"/>
+    <p:sldId id="358" r:id="rId10"/>
+    <p:sldId id="359" r:id="rId11"/>
+    <p:sldId id="354" r:id="rId12"/>
+    <p:sldId id="363" r:id="rId13"/>
+    <p:sldId id="355" r:id="rId14"/>
+    <p:sldId id="361" r:id="rId15"/>
+    <p:sldId id="366" r:id="rId16"/>
+    <p:sldId id="367" r:id="rId17"/>
+    <p:sldId id="362" r:id="rId18"/>
   </p:sldIdLst>
   <p:sldSz cx="12192000" cy="6858000"/>
   <p:notesSz cx="6858000" cy="9144000"/>
@@ -223,7 +225,7 @@
             <a:fld id="{4AAAF045-FEF6-43EA-9CDC-C84FC3F85E9C}" type="datetimeFigureOut">
               <a:rPr lang="en-US" smtClean="0"/>
               <a:pPr/>
-              <a:t>5/16/22</a:t>
+              <a:t>5/17/22</a:t>
             </a:fld>
             <a:endParaRPr lang="en-US" dirty="0"/>
           </a:p>
@@ -3841,7 +3843,7 @@
             <a:fld id="{031C5539-1F60-46F0-A352-FB61FEF329CD}" type="datetimeFigureOut">
               <a:rPr lang="en-US" smtClean="0"/>
               <a:pPr/>
-              <a:t>5/16/22</a:t>
+              <a:t>5/17/22</a:t>
             </a:fld>
             <a:endParaRPr lang="en-US" dirty="0"/>
           </a:p>
@@ -13301,6 +13303,431 @@
 <file path=ppt/slides/slide10.xml><?xml version="1.0" encoding="utf-8"?>
 <p:sld xmlns:a="http://schemas.openxmlformats.org/drawingml/2006/main" xmlns:r="http://schemas.openxmlformats.org/officeDocument/2006/relationships" xmlns:p="http://schemas.openxmlformats.org/presentationml/2006/main">
   <p:cSld>
+    <p:bg>
+      <p:bgRef idx="1001">
+        <a:schemeClr val="bg1"/>
+      </p:bgRef>
+    </p:bg>
+    <p:spTree>
+      <p:nvGrpSpPr>
+        <p:cNvPr id="1" name=""/>
+        <p:cNvGrpSpPr/>
+        <p:nvPr/>
+      </p:nvGrpSpPr>
+      <p:grpSpPr>
+        <a:xfrm>
+          <a:off x="0" y="0"/>
+          <a:ext cx="0" cy="0"/>
+          <a:chOff x="0" y="0"/>
+          <a:chExt cx="0" cy="0"/>
+        </a:xfrm>
+      </p:grpSpPr>
+      <p:sp>
+        <p:nvSpPr>
+          <p:cNvPr id="2" name="Text Placeholder 1">
+            <a:extLst>
+              <a:ext uri="{FF2B5EF4-FFF2-40B4-BE49-F238E27FC236}">
+                <a16:creationId xmlns:a16="http://schemas.microsoft.com/office/drawing/2014/main" id="{21BB3ACD-39D6-4B07-B165-F979837486AA}"/>
+              </a:ext>
+            </a:extLst>
+          </p:cNvPr>
+          <p:cNvSpPr>
+            <a:spLocks noGrp="1"/>
+          </p:cNvSpPr>
+          <p:nvPr>
+            <p:ph type="body" sz="quarter" idx="10"/>
+          </p:nvPr>
+        </p:nvSpPr>
+        <p:spPr/>
+        <p:txBody>
+          <a:bodyPr/>
+          <a:lstStyle/>
+          <a:p>
+            <a:pPr algn="l"/>
+            <a:r>
+              <a:rPr lang="en-US" sz="3600" dirty="0">
+                <a:gradFill flip="none" rotWithShape="1">
+                  <a:gsLst>
+                    <a:gs pos="0">
+                      <a:schemeClr val="accent1"/>
+                    </a:gs>
+                    <a:gs pos="70000">
+                      <a:schemeClr val="accent3"/>
+                    </a:gs>
+                    <a:gs pos="35000">
+                      <a:schemeClr val="accent2"/>
+                    </a:gs>
+                    <a:gs pos="100000">
+                      <a:schemeClr val="accent4"/>
+                    </a:gs>
+                  </a:gsLst>
+                  <a:lin ang="0" scaled="1"/>
+                  <a:tileRect/>
+                </a:gradFill>
+                <a:latin typeface="Avenir Next" panose="020B0503020202020204" pitchFamily="34" charset="0"/>
+                <a:ea typeface="Malgun Gothic" panose="020B0503020000020004" pitchFamily="34" charset="-127"/>
+                <a:cs typeface="Helvetica Neue" panose="02000503000000020004" pitchFamily="2" charset="0"/>
+              </a:rPr>
+              <a:t>Roles in the System</a:t>
+            </a:r>
+          </a:p>
+        </p:txBody>
+      </p:sp>
+      <p:sp>
+        <p:nvSpPr>
+          <p:cNvPr id="3" name="Rectangle 2"/>
+          <p:cNvSpPr/>
+          <p:nvPr/>
+        </p:nvSpPr>
+        <p:spPr>
+          <a:xfrm>
+            <a:off x="682580" y="1210614"/>
+            <a:ext cx="10200068" cy="2879763"/>
+          </a:xfrm>
+          <a:prstGeom prst="rect">
+            <a:avLst/>
+          </a:prstGeom>
+        </p:spPr>
+        <p:txBody>
+          <a:bodyPr wrap="square">
+            <a:spAutoFit/>
+          </a:bodyPr>
+          <a:lstStyle/>
+          <a:p>
+            <a:pPr marL="228600" indent="-228600">
+              <a:lnSpc>
+                <a:spcPct val="90000"/>
+              </a:lnSpc>
+              <a:spcBef>
+                <a:spcPts val="1000"/>
+              </a:spcBef>
+              <a:buFont typeface="Arial" pitchFamily="34" charset="0"/>
+              <a:buChar char="•"/>
+            </a:pPr>
+            <a:r>
+              <a:rPr lang="en-GB" sz="2400" dirty="0">
+                <a:latin typeface="Avenir Next" panose="020B0503020202020204" pitchFamily="34" charset="0"/>
+              </a:rPr>
+              <a:t>Admin - who has complete privilege to view all user information and performs add/delete or update user related information .</a:t>
+            </a:r>
+          </a:p>
+          <a:p>
+            <a:pPr marL="228600" indent="-228600">
+              <a:lnSpc>
+                <a:spcPct val="90000"/>
+              </a:lnSpc>
+              <a:spcBef>
+                <a:spcPts val="1000"/>
+              </a:spcBef>
+              <a:buFont typeface="Arial" pitchFamily="34" charset="0"/>
+              <a:buChar char="•"/>
+            </a:pPr>
+            <a:r>
+              <a:rPr lang="en-GB" sz="2400" dirty="0">
+                <a:latin typeface="Avenir Next" panose="020B0503020202020204" pitchFamily="34" charset="0"/>
+              </a:rPr>
+              <a:t>User -who has limited privilege and can view his own information and update the information. User can just access the phonetic and audio information of other employees but cant update an information of others. User Interface which takes the employee ID information of the fellow employee which returns the standard /customised name pronunciation audio playback and phonetic information</a:t>
+            </a:r>
+            <a:endParaRPr lang="en-US" sz="2400" dirty="0">
+              <a:latin typeface="Avenir Next" panose="020B0503020202020204" pitchFamily="34" charset="0"/>
+            </a:endParaRPr>
+          </a:p>
+        </p:txBody>
+      </p:sp>
+    </p:spTree>
+    <p:extLst>
+      <p:ext uri="{BB962C8B-B14F-4D97-AF65-F5344CB8AC3E}">
+        <p14:creationId xmlns:p14="http://schemas.microsoft.com/office/powerpoint/2010/main" val="1340647293"/>
+      </p:ext>
+    </p:extLst>
+  </p:cSld>
+  <p:clrMapOvr>
+    <a:overrideClrMapping bg1="lt1" tx1="dk1" bg2="lt2" tx2="dk2" accent1="accent1" accent2="accent2" accent3="accent3" accent4="accent4" accent5="accent5" accent6="accent6" hlink="hlink" folHlink="folHlink"/>
+  </p:clrMapOvr>
+</p:sld>
+</file>
+
+<file path=ppt/slides/slide11.xml><?xml version="1.0" encoding="utf-8"?>
+<p:sld xmlns:a="http://schemas.openxmlformats.org/drawingml/2006/main" xmlns:r="http://schemas.openxmlformats.org/officeDocument/2006/relationships" xmlns:p="http://schemas.openxmlformats.org/presentationml/2006/main">
+  <p:cSld>
+    <p:bg>
+      <p:bgRef idx="1001">
+        <a:schemeClr val="bg1"/>
+      </p:bgRef>
+    </p:bg>
+    <p:spTree>
+      <p:nvGrpSpPr>
+        <p:cNvPr id="1" name=""/>
+        <p:cNvGrpSpPr/>
+        <p:nvPr/>
+      </p:nvGrpSpPr>
+      <p:grpSpPr>
+        <a:xfrm>
+          <a:off x="0" y="0"/>
+          <a:ext cx="0" cy="0"/>
+          <a:chOff x="0" y="0"/>
+          <a:chExt cx="0" cy="0"/>
+        </a:xfrm>
+      </p:grpSpPr>
+      <p:sp>
+        <p:nvSpPr>
+          <p:cNvPr id="2" name="Text Placeholder 1">
+            <a:extLst>
+              <a:ext uri="{FF2B5EF4-FFF2-40B4-BE49-F238E27FC236}">
+                <a16:creationId xmlns:a16="http://schemas.microsoft.com/office/drawing/2014/main" id="{21BB3ACD-39D6-4B07-B165-F979837486AA}"/>
+              </a:ext>
+            </a:extLst>
+          </p:cNvPr>
+          <p:cNvSpPr>
+            <a:spLocks noGrp="1"/>
+          </p:cNvSpPr>
+          <p:nvPr>
+            <p:ph type="body" sz="quarter" idx="10"/>
+          </p:nvPr>
+        </p:nvSpPr>
+        <p:spPr/>
+        <p:txBody>
+          <a:bodyPr/>
+          <a:lstStyle/>
+          <a:p>
+            <a:pPr algn="l"/>
+            <a:r>
+              <a:rPr lang="en-US" sz="3600" dirty="0">
+                <a:gradFill flip="none" rotWithShape="1">
+                  <a:gsLst>
+                    <a:gs pos="0">
+                      <a:schemeClr val="accent1"/>
+                    </a:gs>
+                    <a:gs pos="70000">
+                      <a:schemeClr val="accent3"/>
+                    </a:gs>
+                    <a:gs pos="35000">
+                      <a:schemeClr val="accent2"/>
+                    </a:gs>
+                    <a:gs pos="100000">
+                      <a:schemeClr val="accent4"/>
+                    </a:gs>
+                  </a:gsLst>
+                  <a:lin ang="0" scaled="1"/>
+                  <a:tileRect/>
+                </a:gradFill>
+                <a:latin typeface="Avenir Next" panose="020B0503020202020204" pitchFamily="34" charset="0"/>
+                <a:ea typeface="Malgun Gothic" panose="020B0503020000020004" pitchFamily="34" charset="-127"/>
+                <a:cs typeface="Helvetica Neue" panose="02000503000000020004" pitchFamily="2" charset="0"/>
+              </a:rPr>
+              <a:t>Sequence of Steps :</a:t>
+            </a:r>
+          </a:p>
+        </p:txBody>
+      </p:sp>
+      <p:sp>
+        <p:nvSpPr>
+          <p:cNvPr id="3" name="Rectangle 2"/>
+          <p:cNvSpPr/>
+          <p:nvPr/>
+        </p:nvSpPr>
+        <p:spPr>
+          <a:xfrm>
+            <a:off x="309092" y="1030309"/>
+            <a:ext cx="11333409" cy="4837222"/>
+          </a:xfrm>
+          <a:prstGeom prst="rect">
+            <a:avLst/>
+          </a:prstGeom>
+        </p:spPr>
+        <p:txBody>
+          <a:bodyPr wrap="square">
+            <a:spAutoFit/>
+          </a:bodyPr>
+          <a:lstStyle/>
+          <a:p>
+            <a:pPr marL="228600" indent="-228600">
+              <a:lnSpc>
+                <a:spcPct val="90000"/>
+              </a:lnSpc>
+              <a:spcBef>
+                <a:spcPts val="1000"/>
+              </a:spcBef>
+              <a:buFont typeface="Arial" pitchFamily="34" charset="0"/>
+              <a:buChar char="•"/>
+            </a:pPr>
+            <a:r>
+              <a:rPr lang="en-GB" sz="2400" dirty="0">
+                <a:latin typeface="Avenir Next" panose="020B0503020202020204" pitchFamily="34" charset="0"/>
+              </a:rPr>
+              <a:t>UI will make a call to SSO to get valid security token, first name, last name, and </a:t>
+            </a:r>
+            <a:r>
+              <a:rPr lang="en-GB" sz="2400" dirty="0" err="1">
+                <a:latin typeface="Avenir Next" panose="020B0503020202020204" pitchFamily="34" charset="0"/>
+              </a:rPr>
+              <a:t>uid</a:t>
+            </a:r>
+            <a:r>
+              <a:rPr lang="en-GB" sz="2400" dirty="0">
+                <a:latin typeface="Avenir Next" panose="020B0503020202020204" pitchFamily="34" charset="0"/>
+              </a:rPr>
+              <a:t>.</a:t>
+            </a:r>
+          </a:p>
+          <a:p>
+            <a:pPr marL="228600" indent="-228600">
+              <a:lnSpc>
+                <a:spcPct val="90000"/>
+              </a:lnSpc>
+              <a:spcBef>
+                <a:spcPts val="1000"/>
+              </a:spcBef>
+              <a:buFont typeface="Arial" pitchFamily="34" charset="0"/>
+              <a:buChar char="•"/>
+            </a:pPr>
+            <a:r>
+              <a:rPr lang="en-GB" sz="2400" dirty="0">
+                <a:latin typeface="Avenir Next" panose="020B0503020202020204" pitchFamily="34" charset="0"/>
+              </a:rPr>
+              <a:t>A  GET method is used to connect the 'Name Pronounce System' for getting the phonetics, and creating the speech file in the speech file store based on the preferred name, or combination of first name and last name.</a:t>
+            </a:r>
+          </a:p>
+          <a:p>
+            <a:r>
+              <a:rPr lang="en-GB" sz="2400" dirty="0">
+                <a:latin typeface="Avenir Next" panose="020B0503020202020204" pitchFamily="34" charset="0"/>
+              </a:rPr>
+              <a:t>The sample response would be in below format for a </a:t>
+            </a:r>
+            <a:r>
+              <a:rPr lang="en-GB" sz="2400" dirty="0" err="1">
+                <a:latin typeface="Avenir Next" panose="020B0503020202020204" pitchFamily="34" charset="0"/>
+              </a:rPr>
+              <a:t>uid</a:t>
+            </a:r>
+            <a:r>
+              <a:rPr lang="en-GB" sz="2400" dirty="0">
+                <a:latin typeface="Avenir Next" panose="020B0503020202020204" pitchFamily="34" charset="0"/>
+              </a:rPr>
+              <a:t>=u99999, </a:t>
+            </a:r>
+            <a:r>
+              <a:rPr lang="en-GB" sz="2400" dirty="0" err="1">
+                <a:latin typeface="Avenir Next" panose="020B0503020202020204" pitchFamily="34" charset="0"/>
+              </a:rPr>
+              <a:t>firstname</a:t>
+            </a:r>
+            <a:r>
+              <a:rPr lang="en-GB" sz="2400" dirty="0">
+                <a:latin typeface="Avenir Next" panose="020B0503020202020204" pitchFamily="34" charset="0"/>
+              </a:rPr>
+              <a:t>=Paul and </a:t>
+            </a:r>
+            <a:r>
+              <a:rPr lang="en-GB" sz="2400" dirty="0" err="1">
+                <a:latin typeface="Avenir Next" panose="020B0503020202020204" pitchFamily="34" charset="0"/>
+              </a:rPr>
+              <a:t>lastName</a:t>
+            </a:r>
+            <a:r>
+              <a:rPr lang="en-GB" sz="2400" dirty="0">
+                <a:latin typeface="Avenir Next" panose="020B0503020202020204" pitchFamily="34" charset="0"/>
+              </a:rPr>
+              <a:t>=John,  </a:t>
+            </a:r>
+          </a:p>
+          <a:p>
+            <a:r>
+              <a:rPr lang="en-GB" sz="2400" dirty="0">
+                <a:latin typeface="Avenir Next" panose="020B0503020202020204" pitchFamily="34" charset="0"/>
+              </a:rPr>
+              <a:t>{</a:t>
+            </a:r>
+          </a:p>
+          <a:p>
+            <a:r>
+              <a:rPr lang="en-GB" sz="2400" dirty="0">
+                <a:latin typeface="Avenir Next" panose="020B0503020202020204" pitchFamily="34" charset="0"/>
+              </a:rPr>
+              <a:t>    "</a:t>
+            </a:r>
+            <a:r>
+              <a:rPr lang="en-GB" sz="2400" dirty="0" err="1">
+                <a:latin typeface="Avenir Next" panose="020B0503020202020204" pitchFamily="34" charset="0"/>
+              </a:rPr>
+              <a:t>fileLocation</a:t>
+            </a:r>
+            <a:r>
+              <a:rPr lang="en-GB" sz="2400" dirty="0">
+                <a:latin typeface="Avenir Next" panose="020B0503020202020204" pitchFamily="34" charset="0"/>
+              </a:rPr>
+              <a:t>": "http://35.10.34.12:5000/u99999-Paul John.mp3",</a:t>
+            </a:r>
+          </a:p>
+          <a:p>
+            <a:r>
+              <a:rPr lang="en-GB" sz="2400" dirty="0">
+                <a:latin typeface="Avenir Next" panose="020B0503020202020204" pitchFamily="34" charset="0"/>
+              </a:rPr>
+              <a:t>    "phonetics": "</a:t>
+            </a:r>
+            <a:r>
+              <a:rPr lang="en-GB" sz="2400" dirty="0" err="1">
+                <a:latin typeface="Avenir Next" panose="020B0503020202020204" pitchFamily="34" charset="0"/>
+              </a:rPr>
+              <a:t>pɔl</a:t>
+            </a:r>
+            <a:r>
+              <a:rPr lang="en-GB" sz="2400" dirty="0">
+                <a:latin typeface="Avenir Next" panose="020B0503020202020204" pitchFamily="34" charset="0"/>
+              </a:rPr>
+              <a:t> </a:t>
+            </a:r>
+            <a:r>
+              <a:rPr lang="en-GB" sz="2400" dirty="0" err="1">
+                <a:latin typeface="Avenir Next" panose="020B0503020202020204" pitchFamily="34" charset="0"/>
+              </a:rPr>
+              <a:t>ʤɑn</a:t>
+            </a:r>
+            <a:r>
+              <a:rPr lang="en-GB" sz="2400" dirty="0">
+                <a:latin typeface="Avenir Next" panose="020B0503020202020204" pitchFamily="34" charset="0"/>
+              </a:rPr>
+              <a:t>"</a:t>
+            </a:r>
+          </a:p>
+          <a:p>
+            <a:r>
+              <a:rPr lang="en-GB" sz="2400" dirty="0">
+                <a:latin typeface="Avenir Next" panose="020B0503020202020204" pitchFamily="34" charset="0"/>
+              </a:rPr>
+              <a:t>}</a:t>
+            </a:r>
+          </a:p>
+          <a:p>
+            <a:br>
+              <a:rPr lang="en-GB" sz="2400" dirty="0">
+                <a:latin typeface="Avenir Next" panose="020B0503020202020204" pitchFamily="34" charset="0"/>
+              </a:rPr>
+            </a:br>
+            <a:endParaRPr lang="en-GB" sz="2400" dirty="0">
+              <a:latin typeface="Avenir Next" panose="020B0503020202020204" pitchFamily="34" charset="0"/>
+            </a:endParaRPr>
+          </a:p>
+        </p:txBody>
+      </p:sp>
+    </p:spTree>
+    <p:extLst>
+      <p:ext uri="{BB962C8B-B14F-4D97-AF65-F5344CB8AC3E}">
+        <p14:creationId xmlns:p14="http://schemas.microsoft.com/office/powerpoint/2010/main" val="1340647293"/>
+      </p:ext>
+    </p:extLst>
+  </p:cSld>
+  <p:clrMapOvr>
+    <a:overrideClrMapping bg1="lt1" tx1="dk1" bg2="lt2" tx2="dk2" accent1="accent1" accent2="accent2" accent3="accent3" accent4="accent4" accent5="accent5" accent6="accent6" hlink="hlink" folHlink="folHlink"/>
+  </p:clrMapOvr>
+</p:sld>
+</file>
+
+<file path=ppt/slides/slide12.xml><?xml version="1.0" encoding="utf-8"?>
+<p:sld xmlns:a="http://schemas.openxmlformats.org/drawingml/2006/main" xmlns:r="http://schemas.openxmlformats.org/officeDocument/2006/relationships" xmlns:p="http://schemas.openxmlformats.org/presentationml/2006/main">
+  <p:cSld>
     <p:spTree>
       <p:nvGrpSpPr>
         <p:cNvPr id="1" name=""/>
@@ -13456,7 +13883,7 @@
 </p:sld>
 </file>
 
-<file path=ppt/slides/slide11.xml><?xml version="1.0" encoding="utf-8"?>
+<file path=ppt/slides/slide13.xml><?xml version="1.0" encoding="utf-8"?>
 <p:sld xmlns:a="http://schemas.openxmlformats.org/drawingml/2006/main" xmlns:r="http://schemas.openxmlformats.org/officeDocument/2006/relationships" xmlns:p="http://schemas.openxmlformats.org/presentationml/2006/main">
   <p:cSld>
     <p:bg>
@@ -13866,7 +14293,7 @@
 </p:sld>
 </file>
 
-<file path=ppt/slides/slide12.xml><?xml version="1.0" encoding="utf-8"?>
+<file path=ppt/slides/slide14.xml><?xml version="1.0" encoding="utf-8"?>
 <p:sld xmlns:a="http://schemas.openxmlformats.org/drawingml/2006/main" xmlns:r="http://schemas.openxmlformats.org/officeDocument/2006/relationships" xmlns:p="http://schemas.openxmlformats.org/presentationml/2006/main">
   <p:cSld>
     <p:bg>
@@ -13948,7 +14375,7 @@
 </p:sld>
 </file>
 
-<file path=ppt/slides/slide13.xml><?xml version="1.0" encoding="utf-8"?>
+<file path=ppt/slides/slide15.xml><?xml version="1.0" encoding="utf-8"?>
 <p:sld xmlns:a="http://schemas.openxmlformats.org/drawingml/2006/main" xmlns:r="http://schemas.openxmlformats.org/officeDocument/2006/relationships" xmlns:p="http://schemas.openxmlformats.org/presentationml/2006/main">
   <p:cSld>
     <p:bg>
@@ -14030,7 +14457,7 @@
 </p:sld>
 </file>
 
-<file path=ppt/slides/slide14.xml><?xml version="1.0" encoding="utf-8"?>
+<file path=ppt/slides/slide16.xml><?xml version="1.0" encoding="utf-8"?>
 <p:sld xmlns:a="http://schemas.openxmlformats.org/drawingml/2006/main" xmlns:r="http://schemas.openxmlformats.org/officeDocument/2006/relationships" xmlns:p="http://schemas.openxmlformats.org/presentationml/2006/main">
   <p:cSld>
     <p:bg>
@@ -23577,6 +24004,378 @@
                 <a:ea typeface="Malgun Gothic" panose="020B0503020000020004" pitchFamily="34" charset="-127"/>
                 <a:cs typeface="Helvetica Neue" panose="02000503000000020004" pitchFamily="2" charset="0"/>
               </a:rPr>
+              <a:t>Admin Web App</a:t>
+            </a:r>
+          </a:p>
+        </p:txBody>
+      </p:sp>
+      <p:pic>
+        <p:nvPicPr>
+          <p:cNvPr id="5" name="Picture 4">
+            <a:extLst>
+              <a:ext uri="{FF2B5EF4-FFF2-40B4-BE49-F238E27FC236}">
+                <a16:creationId xmlns:a16="http://schemas.microsoft.com/office/drawing/2014/main" id="{4091F7D4-BFC2-9640-B0E9-1F99402DB6D5}"/>
+              </a:ext>
+            </a:extLst>
+          </p:cNvPr>
+          <p:cNvPicPr>
+            <a:picLocks noChangeAspect="1"/>
+          </p:cNvPicPr>
+          <p:nvPr/>
+        </p:nvPicPr>
+        <p:blipFill>
+          <a:blip r:embed="rId2">
+            <a:extLst>
+              <a:ext uri="{28A0092B-C50C-407E-A947-70E740481C1C}">
+                <a14:useLocalDpi xmlns:a14="http://schemas.microsoft.com/office/drawing/2010/main" val="0"/>
+              </a:ext>
+            </a:extLst>
+          </a:blip>
+          <a:stretch>
+            <a:fillRect/>
+          </a:stretch>
+        </p:blipFill>
+        <p:spPr>
+          <a:xfrm>
+            <a:off x="351248" y="1377699"/>
+            <a:ext cx="5470432" cy="2870200"/>
+          </a:xfrm>
+          <a:prstGeom prst="rect">
+            <a:avLst/>
+          </a:prstGeom>
+        </p:spPr>
+      </p:pic>
+      <p:pic>
+        <p:nvPicPr>
+          <p:cNvPr id="7" name="Picture 6">
+            <a:extLst>
+              <a:ext uri="{FF2B5EF4-FFF2-40B4-BE49-F238E27FC236}">
+                <a16:creationId xmlns:a16="http://schemas.microsoft.com/office/drawing/2014/main" id="{EE73DC07-DF11-744E-B039-B3AA54AA5A15}"/>
+              </a:ext>
+            </a:extLst>
+          </p:cNvPr>
+          <p:cNvPicPr>
+            <a:picLocks noChangeAspect="1"/>
+          </p:cNvPicPr>
+          <p:nvPr/>
+        </p:nvPicPr>
+        <p:blipFill>
+          <a:blip r:embed="rId3">
+            <a:extLst>
+              <a:ext uri="{28A0092B-C50C-407E-A947-70E740481C1C}">
+                <a14:useLocalDpi xmlns:a14="http://schemas.microsoft.com/office/drawing/2010/main" val="0"/>
+              </a:ext>
+            </a:extLst>
+          </a:blip>
+          <a:stretch>
+            <a:fillRect/>
+          </a:stretch>
+        </p:blipFill>
+        <p:spPr>
+          <a:xfrm>
+            <a:off x="6522720" y="1254761"/>
+            <a:ext cx="4866640" cy="2697223"/>
+          </a:xfrm>
+          <a:prstGeom prst="rect">
+            <a:avLst/>
+          </a:prstGeom>
+        </p:spPr>
+      </p:pic>
+      <p:pic>
+        <p:nvPicPr>
+          <p:cNvPr id="14" name="Picture 13">
+            <a:extLst>
+              <a:ext uri="{FF2B5EF4-FFF2-40B4-BE49-F238E27FC236}">
+                <a16:creationId xmlns:a16="http://schemas.microsoft.com/office/drawing/2014/main" id="{E83BEA8F-983A-0349-BF3E-E35E6207567D}"/>
+              </a:ext>
+            </a:extLst>
+          </p:cNvPr>
+          <p:cNvPicPr>
+            <a:picLocks noChangeAspect="1"/>
+          </p:cNvPicPr>
+          <p:nvPr/>
+        </p:nvPicPr>
+        <p:blipFill>
+          <a:blip r:embed="rId4"/>
+          <a:stretch>
+            <a:fillRect/>
+          </a:stretch>
+        </p:blipFill>
+        <p:spPr>
+          <a:xfrm>
+            <a:off x="3083560" y="4514928"/>
+            <a:ext cx="5872480" cy="2176622"/>
+          </a:xfrm>
+          <a:prstGeom prst="rect">
+            <a:avLst/>
+          </a:prstGeom>
+        </p:spPr>
+      </p:pic>
+    </p:spTree>
+    <p:extLst>
+      <p:ext uri="{BB962C8B-B14F-4D97-AF65-F5344CB8AC3E}">
+        <p14:creationId xmlns:p14="http://schemas.microsoft.com/office/powerpoint/2010/main" val="3950569077"/>
+      </p:ext>
+    </p:extLst>
+  </p:cSld>
+  <p:clrMapOvr>
+    <a:masterClrMapping/>
+  </p:clrMapOvr>
+</p:sld>
+</file>
+
+<file path=ppt/slides/slide6.xml><?xml version="1.0" encoding="utf-8"?>
+<p:sld xmlns:a="http://schemas.openxmlformats.org/drawingml/2006/main" xmlns:r="http://schemas.openxmlformats.org/officeDocument/2006/relationships" xmlns:p="http://schemas.openxmlformats.org/presentationml/2006/main">
+  <p:cSld>
+    <p:spTree>
+      <p:nvGrpSpPr>
+        <p:cNvPr id="1" name=""/>
+        <p:cNvGrpSpPr/>
+        <p:nvPr/>
+      </p:nvGrpSpPr>
+      <p:grpSpPr>
+        <a:xfrm>
+          <a:off x="0" y="0"/>
+          <a:ext cx="0" cy="0"/>
+          <a:chOff x="0" y="0"/>
+          <a:chExt cx="0" cy="0"/>
+        </a:xfrm>
+      </p:grpSpPr>
+      <p:sp>
+        <p:nvSpPr>
+          <p:cNvPr id="2" name="Text Placeholder 1">
+            <a:extLst>
+              <a:ext uri="{FF2B5EF4-FFF2-40B4-BE49-F238E27FC236}">
+                <a16:creationId xmlns:a16="http://schemas.microsoft.com/office/drawing/2014/main" id="{21BB3ACD-39D6-4B07-B165-F979837486AA}"/>
+              </a:ext>
+            </a:extLst>
+          </p:cNvPr>
+          <p:cNvSpPr>
+            <a:spLocks noGrp="1"/>
+          </p:cNvSpPr>
+          <p:nvPr>
+            <p:ph type="body" sz="quarter" idx="10"/>
+          </p:nvPr>
+        </p:nvSpPr>
+        <p:spPr/>
+        <p:txBody>
+          <a:bodyPr/>
+          <a:lstStyle/>
+          <a:p>
+            <a:pPr algn="l"/>
+            <a:r>
+              <a:rPr lang="en-US" sz="3600" dirty="0">
+                <a:gradFill flip="none" rotWithShape="1">
+                  <a:gsLst>
+                    <a:gs pos="0">
+                      <a:schemeClr val="accent1"/>
+                    </a:gs>
+                    <a:gs pos="70000">
+                      <a:schemeClr val="accent3"/>
+                    </a:gs>
+                    <a:gs pos="35000">
+                      <a:schemeClr val="accent2"/>
+                    </a:gs>
+                    <a:gs pos="100000">
+                      <a:schemeClr val="accent4"/>
+                    </a:gs>
+                  </a:gsLst>
+                  <a:lin ang="0" scaled="1"/>
+                  <a:tileRect/>
+                </a:gradFill>
+                <a:latin typeface="Avenir Next" panose="020B0503020202020204" pitchFamily="34" charset="0"/>
+                <a:ea typeface="Malgun Gothic" panose="020B0503020000020004" pitchFamily="34" charset="-127"/>
+                <a:cs typeface="Helvetica Neue" panose="02000503000000020004" pitchFamily="2" charset="0"/>
+              </a:rPr>
+              <a:t>Mobile App</a:t>
+            </a:r>
+          </a:p>
+        </p:txBody>
+      </p:sp>
+      <p:pic>
+        <p:nvPicPr>
+          <p:cNvPr id="9" name="Picture 8">
+            <a:extLst>
+              <a:ext uri="{FF2B5EF4-FFF2-40B4-BE49-F238E27FC236}">
+                <a16:creationId xmlns:a16="http://schemas.microsoft.com/office/drawing/2014/main" id="{32ABC036-DEEF-B145-9DE8-44159A0C14A8}"/>
+              </a:ext>
+            </a:extLst>
+          </p:cNvPr>
+          <p:cNvPicPr>
+            <a:picLocks noChangeAspect="1"/>
+          </p:cNvPicPr>
+          <p:nvPr/>
+        </p:nvPicPr>
+        <p:blipFill>
+          <a:blip r:embed="rId2">
+            <a:extLst>
+              <a:ext uri="{28A0092B-C50C-407E-A947-70E740481C1C}">
+                <a14:useLocalDpi xmlns:a14="http://schemas.microsoft.com/office/drawing/2010/main" val="0"/>
+              </a:ext>
+            </a:extLst>
+          </a:blip>
+          <a:stretch>
+            <a:fillRect/>
+          </a:stretch>
+        </p:blipFill>
+        <p:spPr>
+          <a:xfrm>
+            <a:off x="7904480" y="1063758"/>
+            <a:ext cx="2541690" cy="5369560"/>
+          </a:xfrm>
+          <a:prstGeom prst="rect">
+            <a:avLst/>
+          </a:prstGeom>
+        </p:spPr>
+      </p:pic>
+      <p:pic>
+        <p:nvPicPr>
+          <p:cNvPr id="11" name="Picture 10">
+            <a:extLst>
+              <a:ext uri="{FF2B5EF4-FFF2-40B4-BE49-F238E27FC236}">
+                <a16:creationId xmlns:a16="http://schemas.microsoft.com/office/drawing/2014/main" id="{979216A1-88A4-A94B-8526-8C3F0D5287CB}"/>
+              </a:ext>
+            </a:extLst>
+          </p:cNvPr>
+          <p:cNvPicPr>
+            <a:picLocks noChangeAspect="1"/>
+          </p:cNvPicPr>
+          <p:nvPr/>
+        </p:nvPicPr>
+        <p:blipFill>
+          <a:blip r:embed="rId3">
+            <a:extLst>
+              <a:ext uri="{28A0092B-C50C-407E-A947-70E740481C1C}">
+                <a14:useLocalDpi xmlns:a14="http://schemas.microsoft.com/office/drawing/2010/main" val="0"/>
+              </a:ext>
+            </a:extLst>
+          </a:blip>
+          <a:stretch>
+            <a:fillRect/>
+          </a:stretch>
+        </p:blipFill>
+        <p:spPr>
+          <a:xfrm>
+            <a:off x="4116424" y="1240080"/>
+            <a:ext cx="2812696" cy="5109640"/>
+          </a:xfrm>
+          <a:prstGeom prst="rect">
+            <a:avLst/>
+          </a:prstGeom>
+        </p:spPr>
+      </p:pic>
+      <p:pic>
+        <p:nvPicPr>
+          <p:cNvPr id="13" name="Picture 12">
+            <a:extLst>
+              <a:ext uri="{FF2B5EF4-FFF2-40B4-BE49-F238E27FC236}">
+                <a16:creationId xmlns:a16="http://schemas.microsoft.com/office/drawing/2014/main" id="{51807990-7445-554E-AF1E-C036549D9BC2}"/>
+              </a:ext>
+            </a:extLst>
+          </p:cNvPr>
+          <p:cNvPicPr>
+            <a:picLocks noChangeAspect="1"/>
+          </p:cNvPicPr>
+          <p:nvPr/>
+        </p:nvPicPr>
+        <p:blipFill>
+          <a:blip r:embed="rId4">
+            <a:extLst>
+              <a:ext uri="{28A0092B-C50C-407E-A947-70E740481C1C}">
+                <a14:useLocalDpi xmlns:a14="http://schemas.microsoft.com/office/drawing/2010/main" val="0"/>
+              </a:ext>
+            </a:extLst>
+          </a:blip>
+          <a:stretch>
+            <a:fillRect/>
+          </a:stretch>
+        </p:blipFill>
+        <p:spPr>
+          <a:xfrm>
+            <a:off x="714243" y="1240080"/>
+            <a:ext cx="2541691" cy="5182160"/>
+          </a:xfrm>
+          <a:prstGeom prst="rect">
+            <a:avLst/>
+          </a:prstGeom>
+        </p:spPr>
+      </p:pic>
+    </p:spTree>
+    <p:extLst>
+      <p:ext uri="{BB962C8B-B14F-4D97-AF65-F5344CB8AC3E}">
+        <p14:creationId xmlns:p14="http://schemas.microsoft.com/office/powerpoint/2010/main" val="43029644"/>
+      </p:ext>
+    </p:extLst>
+  </p:cSld>
+  <p:clrMapOvr>
+    <a:masterClrMapping/>
+  </p:clrMapOvr>
+</p:sld>
+</file>
+
+<file path=ppt/slides/slide7.xml><?xml version="1.0" encoding="utf-8"?>
+<p:sld xmlns:a="http://schemas.openxmlformats.org/drawingml/2006/main" xmlns:r="http://schemas.openxmlformats.org/officeDocument/2006/relationships" xmlns:p="http://schemas.openxmlformats.org/presentationml/2006/main">
+  <p:cSld>
+    <p:spTree>
+      <p:nvGrpSpPr>
+        <p:cNvPr id="1" name=""/>
+        <p:cNvGrpSpPr/>
+        <p:nvPr/>
+      </p:nvGrpSpPr>
+      <p:grpSpPr>
+        <a:xfrm>
+          <a:off x="0" y="0"/>
+          <a:ext cx="0" cy="0"/>
+          <a:chOff x="0" y="0"/>
+          <a:chExt cx="0" cy="0"/>
+        </a:xfrm>
+      </p:grpSpPr>
+      <p:sp>
+        <p:nvSpPr>
+          <p:cNvPr id="2" name="Text Placeholder 1">
+            <a:extLst>
+              <a:ext uri="{FF2B5EF4-FFF2-40B4-BE49-F238E27FC236}">
+                <a16:creationId xmlns:a16="http://schemas.microsoft.com/office/drawing/2014/main" id="{21BB3ACD-39D6-4B07-B165-F979837486AA}"/>
+              </a:ext>
+            </a:extLst>
+          </p:cNvPr>
+          <p:cNvSpPr>
+            <a:spLocks noGrp="1"/>
+          </p:cNvSpPr>
+          <p:nvPr>
+            <p:ph type="body" sz="quarter" idx="10"/>
+          </p:nvPr>
+        </p:nvSpPr>
+        <p:spPr/>
+        <p:txBody>
+          <a:bodyPr/>
+          <a:lstStyle/>
+          <a:p>
+            <a:pPr algn="l"/>
+            <a:r>
+              <a:rPr lang="en-US" sz="3600" dirty="0">
+                <a:gradFill flip="none" rotWithShape="1">
+                  <a:gsLst>
+                    <a:gs pos="0">
+                      <a:schemeClr val="accent1"/>
+                    </a:gs>
+                    <a:gs pos="70000">
+                      <a:schemeClr val="accent3"/>
+                    </a:gs>
+                    <a:gs pos="35000">
+                      <a:schemeClr val="accent2"/>
+                    </a:gs>
+                    <a:gs pos="100000">
+                      <a:schemeClr val="accent4"/>
+                    </a:gs>
+                  </a:gsLst>
+                  <a:lin ang="0" scaled="1"/>
+                  <a:tileRect/>
+                </a:gradFill>
+                <a:latin typeface="Avenir Next" panose="020B0503020202020204" pitchFamily="34" charset="0"/>
+                <a:ea typeface="Malgun Gothic" panose="020B0503020000020004" pitchFamily="34" charset="-127"/>
+                <a:cs typeface="Helvetica Neue" panose="02000503000000020004" pitchFamily="2" charset="0"/>
+              </a:rPr>
               <a:t>Pronounce System</a:t>
             </a:r>
           </a:p>
@@ -23631,7 +24430,7 @@
 </p:sld>
 </file>
 
-<file path=ppt/slides/slide6.xml><?xml version="1.0" encoding="utf-8"?>
+<file path=ppt/slides/slide8.xml><?xml version="1.0" encoding="utf-8"?>
 <p:sld xmlns:a="http://schemas.openxmlformats.org/drawingml/2006/main" xmlns:r="http://schemas.openxmlformats.org/officeDocument/2006/relationships" xmlns:p="http://schemas.openxmlformats.org/presentationml/2006/main">
   <p:cSld>
     <p:spTree>
@@ -23819,7 +24618,7 @@
 </p:sld>
 </file>
 
-<file path=ppt/slides/slide7.xml><?xml version="1.0" encoding="utf-8"?>
+<file path=ppt/slides/slide9.xml><?xml version="1.0" encoding="utf-8"?>
 <p:sld xmlns:a="http://schemas.openxmlformats.org/drawingml/2006/main" xmlns:r="http://schemas.openxmlformats.org/officeDocument/2006/relationships" xmlns:p="http://schemas.openxmlformats.org/presentationml/2006/main">
   <p:cSld>
     <p:spTree>
@@ -23945,431 +24744,6 @@
   </p:cSld>
   <p:clrMapOvr>
     <a:masterClrMapping/>
-  </p:clrMapOvr>
-</p:sld>
-</file>
-
-<file path=ppt/slides/slide8.xml><?xml version="1.0" encoding="utf-8"?>
-<p:sld xmlns:a="http://schemas.openxmlformats.org/drawingml/2006/main" xmlns:r="http://schemas.openxmlformats.org/officeDocument/2006/relationships" xmlns:p="http://schemas.openxmlformats.org/presentationml/2006/main">
-  <p:cSld>
-    <p:bg>
-      <p:bgRef idx="1001">
-        <a:schemeClr val="bg1"/>
-      </p:bgRef>
-    </p:bg>
-    <p:spTree>
-      <p:nvGrpSpPr>
-        <p:cNvPr id="1" name=""/>
-        <p:cNvGrpSpPr/>
-        <p:nvPr/>
-      </p:nvGrpSpPr>
-      <p:grpSpPr>
-        <a:xfrm>
-          <a:off x="0" y="0"/>
-          <a:ext cx="0" cy="0"/>
-          <a:chOff x="0" y="0"/>
-          <a:chExt cx="0" cy="0"/>
-        </a:xfrm>
-      </p:grpSpPr>
-      <p:sp>
-        <p:nvSpPr>
-          <p:cNvPr id="2" name="Text Placeholder 1">
-            <a:extLst>
-              <a:ext uri="{FF2B5EF4-FFF2-40B4-BE49-F238E27FC236}">
-                <a16:creationId xmlns:a16="http://schemas.microsoft.com/office/drawing/2014/main" id="{21BB3ACD-39D6-4B07-B165-F979837486AA}"/>
-              </a:ext>
-            </a:extLst>
-          </p:cNvPr>
-          <p:cNvSpPr>
-            <a:spLocks noGrp="1"/>
-          </p:cNvSpPr>
-          <p:nvPr>
-            <p:ph type="body" sz="quarter" idx="10"/>
-          </p:nvPr>
-        </p:nvSpPr>
-        <p:spPr/>
-        <p:txBody>
-          <a:bodyPr/>
-          <a:lstStyle/>
-          <a:p>
-            <a:pPr algn="l"/>
-            <a:r>
-              <a:rPr lang="en-US" sz="3600" dirty="0">
-                <a:gradFill flip="none" rotWithShape="1">
-                  <a:gsLst>
-                    <a:gs pos="0">
-                      <a:schemeClr val="accent1"/>
-                    </a:gs>
-                    <a:gs pos="70000">
-                      <a:schemeClr val="accent3"/>
-                    </a:gs>
-                    <a:gs pos="35000">
-                      <a:schemeClr val="accent2"/>
-                    </a:gs>
-                    <a:gs pos="100000">
-                      <a:schemeClr val="accent4"/>
-                    </a:gs>
-                  </a:gsLst>
-                  <a:lin ang="0" scaled="1"/>
-                  <a:tileRect/>
-                </a:gradFill>
-                <a:latin typeface="Avenir Next" panose="020B0503020202020204" pitchFamily="34" charset="0"/>
-                <a:ea typeface="Malgun Gothic" panose="020B0503020000020004" pitchFamily="34" charset="-127"/>
-                <a:cs typeface="Helvetica Neue" panose="02000503000000020004" pitchFamily="2" charset="0"/>
-              </a:rPr>
-              <a:t>Roles in the System</a:t>
-            </a:r>
-          </a:p>
-        </p:txBody>
-      </p:sp>
-      <p:sp>
-        <p:nvSpPr>
-          <p:cNvPr id="3" name="Rectangle 2"/>
-          <p:cNvSpPr/>
-          <p:nvPr/>
-        </p:nvSpPr>
-        <p:spPr>
-          <a:xfrm>
-            <a:off x="682580" y="1210614"/>
-            <a:ext cx="10200068" cy="2879763"/>
-          </a:xfrm>
-          <a:prstGeom prst="rect">
-            <a:avLst/>
-          </a:prstGeom>
-        </p:spPr>
-        <p:txBody>
-          <a:bodyPr wrap="square">
-            <a:spAutoFit/>
-          </a:bodyPr>
-          <a:lstStyle/>
-          <a:p>
-            <a:pPr marL="228600" indent="-228600">
-              <a:lnSpc>
-                <a:spcPct val="90000"/>
-              </a:lnSpc>
-              <a:spcBef>
-                <a:spcPts val="1000"/>
-              </a:spcBef>
-              <a:buFont typeface="Arial" pitchFamily="34" charset="0"/>
-              <a:buChar char="•"/>
-            </a:pPr>
-            <a:r>
-              <a:rPr lang="en-GB" sz="2400" dirty="0">
-                <a:latin typeface="Avenir Next" panose="020B0503020202020204" pitchFamily="34" charset="0"/>
-              </a:rPr>
-              <a:t>Admin - who has complete privilege to view all user information and performs add/delete or update user related information .</a:t>
-            </a:r>
-          </a:p>
-          <a:p>
-            <a:pPr marL="228600" indent="-228600">
-              <a:lnSpc>
-                <a:spcPct val="90000"/>
-              </a:lnSpc>
-              <a:spcBef>
-                <a:spcPts val="1000"/>
-              </a:spcBef>
-              <a:buFont typeface="Arial" pitchFamily="34" charset="0"/>
-              <a:buChar char="•"/>
-            </a:pPr>
-            <a:r>
-              <a:rPr lang="en-GB" sz="2400" dirty="0">
-                <a:latin typeface="Avenir Next" panose="020B0503020202020204" pitchFamily="34" charset="0"/>
-              </a:rPr>
-              <a:t>User -who has limited privilege and can view his own information and update the information. User can just access the phonetic and audio information of other employees but cant update an information of others. User Interface which takes the employee ID information of the fellow employee which returns the standard /customised name pronunciation audio playback and phonetic information</a:t>
-            </a:r>
-            <a:endParaRPr lang="en-US" sz="2400" dirty="0">
-              <a:latin typeface="Avenir Next" panose="020B0503020202020204" pitchFamily="34" charset="0"/>
-            </a:endParaRPr>
-          </a:p>
-        </p:txBody>
-      </p:sp>
-    </p:spTree>
-    <p:extLst>
-      <p:ext uri="{BB962C8B-B14F-4D97-AF65-F5344CB8AC3E}">
-        <p14:creationId xmlns:p14="http://schemas.microsoft.com/office/powerpoint/2010/main" val="1340647293"/>
-      </p:ext>
-    </p:extLst>
-  </p:cSld>
-  <p:clrMapOvr>
-    <a:overrideClrMapping bg1="lt1" tx1="dk1" bg2="lt2" tx2="dk2" accent1="accent1" accent2="accent2" accent3="accent3" accent4="accent4" accent5="accent5" accent6="accent6" hlink="hlink" folHlink="folHlink"/>
-  </p:clrMapOvr>
-</p:sld>
-</file>
-
-<file path=ppt/slides/slide9.xml><?xml version="1.0" encoding="utf-8"?>
-<p:sld xmlns:a="http://schemas.openxmlformats.org/drawingml/2006/main" xmlns:r="http://schemas.openxmlformats.org/officeDocument/2006/relationships" xmlns:p="http://schemas.openxmlformats.org/presentationml/2006/main">
-  <p:cSld>
-    <p:bg>
-      <p:bgRef idx="1001">
-        <a:schemeClr val="bg1"/>
-      </p:bgRef>
-    </p:bg>
-    <p:spTree>
-      <p:nvGrpSpPr>
-        <p:cNvPr id="1" name=""/>
-        <p:cNvGrpSpPr/>
-        <p:nvPr/>
-      </p:nvGrpSpPr>
-      <p:grpSpPr>
-        <a:xfrm>
-          <a:off x="0" y="0"/>
-          <a:ext cx="0" cy="0"/>
-          <a:chOff x="0" y="0"/>
-          <a:chExt cx="0" cy="0"/>
-        </a:xfrm>
-      </p:grpSpPr>
-      <p:sp>
-        <p:nvSpPr>
-          <p:cNvPr id="2" name="Text Placeholder 1">
-            <a:extLst>
-              <a:ext uri="{FF2B5EF4-FFF2-40B4-BE49-F238E27FC236}">
-                <a16:creationId xmlns:a16="http://schemas.microsoft.com/office/drawing/2014/main" id="{21BB3ACD-39D6-4B07-B165-F979837486AA}"/>
-              </a:ext>
-            </a:extLst>
-          </p:cNvPr>
-          <p:cNvSpPr>
-            <a:spLocks noGrp="1"/>
-          </p:cNvSpPr>
-          <p:nvPr>
-            <p:ph type="body" sz="quarter" idx="10"/>
-          </p:nvPr>
-        </p:nvSpPr>
-        <p:spPr/>
-        <p:txBody>
-          <a:bodyPr/>
-          <a:lstStyle/>
-          <a:p>
-            <a:pPr algn="l"/>
-            <a:r>
-              <a:rPr lang="en-US" sz="3600" dirty="0">
-                <a:gradFill flip="none" rotWithShape="1">
-                  <a:gsLst>
-                    <a:gs pos="0">
-                      <a:schemeClr val="accent1"/>
-                    </a:gs>
-                    <a:gs pos="70000">
-                      <a:schemeClr val="accent3"/>
-                    </a:gs>
-                    <a:gs pos="35000">
-                      <a:schemeClr val="accent2"/>
-                    </a:gs>
-                    <a:gs pos="100000">
-                      <a:schemeClr val="accent4"/>
-                    </a:gs>
-                  </a:gsLst>
-                  <a:lin ang="0" scaled="1"/>
-                  <a:tileRect/>
-                </a:gradFill>
-                <a:latin typeface="Avenir Next" panose="020B0503020202020204" pitchFamily="34" charset="0"/>
-                <a:ea typeface="Malgun Gothic" panose="020B0503020000020004" pitchFamily="34" charset="-127"/>
-                <a:cs typeface="Helvetica Neue" panose="02000503000000020004" pitchFamily="2" charset="0"/>
-              </a:rPr>
-              <a:t>Sequence of Steps :</a:t>
-            </a:r>
-          </a:p>
-        </p:txBody>
-      </p:sp>
-      <p:sp>
-        <p:nvSpPr>
-          <p:cNvPr id="3" name="Rectangle 2"/>
-          <p:cNvSpPr/>
-          <p:nvPr/>
-        </p:nvSpPr>
-        <p:spPr>
-          <a:xfrm>
-            <a:off x="309092" y="1030309"/>
-            <a:ext cx="11333409" cy="4837222"/>
-          </a:xfrm>
-          <a:prstGeom prst="rect">
-            <a:avLst/>
-          </a:prstGeom>
-        </p:spPr>
-        <p:txBody>
-          <a:bodyPr wrap="square">
-            <a:spAutoFit/>
-          </a:bodyPr>
-          <a:lstStyle/>
-          <a:p>
-            <a:pPr marL="228600" indent="-228600">
-              <a:lnSpc>
-                <a:spcPct val="90000"/>
-              </a:lnSpc>
-              <a:spcBef>
-                <a:spcPts val="1000"/>
-              </a:spcBef>
-              <a:buFont typeface="Arial" pitchFamily="34" charset="0"/>
-              <a:buChar char="•"/>
-            </a:pPr>
-            <a:r>
-              <a:rPr lang="en-GB" sz="2400" dirty="0">
-                <a:latin typeface="Avenir Next" panose="020B0503020202020204" pitchFamily="34" charset="0"/>
-              </a:rPr>
-              <a:t>UI will make a call to SSO to get valid security token, first name, last name, and </a:t>
-            </a:r>
-            <a:r>
-              <a:rPr lang="en-GB" sz="2400" dirty="0" err="1">
-                <a:latin typeface="Avenir Next" panose="020B0503020202020204" pitchFamily="34" charset="0"/>
-              </a:rPr>
-              <a:t>uid</a:t>
-            </a:r>
-            <a:r>
-              <a:rPr lang="en-GB" sz="2400" dirty="0">
-                <a:latin typeface="Avenir Next" panose="020B0503020202020204" pitchFamily="34" charset="0"/>
-              </a:rPr>
-              <a:t>.</a:t>
-            </a:r>
-          </a:p>
-          <a:p>
-            <a:pPr marL="228600" indent="-228600">
-              <a:lnSpc>
-                <a:spcPct val="90000"/>
-              </a:lnSpc>
-              <a:spcBef>
-                <a:spcPts val="1000"/>
-              </a:spcBef>
-              <a:buFont typeface="Arial" pitchFamily="34" charset="0"/>
-              <a:buChar char="•"/>
-            </a:pPr>
-            <a:r>
-              <a:rPr lang="en-GB" sz="2400" dirty="0">
-                <a:latin typeface="Avenir Next" panose="020B0503020202020204" pitchFamily="34" charset="0"/>
-              </a:rPr>
-              <a:t>A  GET method is used to connect the 'Name Pronounce System' for getting the phonetics, and creating the speech file in the speech file store based on the preferred name, or combination of first name and last name.</a:t>
-            </a:r>
-          </a:p>
-          <a:p>
-            <a:r>
-              <a:rPr lang="en-GB" sz="2400" dirty="0">
-                <a:latin typeface="Avenir Next" panose="020B0503020202020204" pitchFamily="34" charset="0"/>
-              </a:rPr>
-              <a:t>The sample response would be in below format for a </a:t>
-            </a:r>
-            <a:r>
-              <a:rPr lang="en-GB" sz="2400" dirty="0" err="1">
-                <a:latin typeface="Avenir Next" panose="020B0503020202020204" pitchFamily="34" charset="0"/>
-              </a:rPr>
-              <a:t>uid</a:t>
-            </a:r>
-            <a:r>
-              <a:rPr lang="en-GB" sz="2400" dirty="0">
-                <a:latin typeface="Avenir Next" panose="020B0503020202020204" pitchFamily="34" charset="0"/>
-              </a:rPr>
-              <a:t>=u99999, </a:t>
-            </a:r>
-            <a:r>
-              <a:rPr lang="en-GB" sz="2400" dirty="0" err="1">
-                <a:latin typeface="Avenir Next" panose="020B0503020202020204" pitchFamily="34" charset="0"/>
-              </a:rPr>
-              <a:t>firstname</a:t>
-            </a:r>
-            <a:r>
-              <a:rPr lang="en-GB" sz="2400" dirty="0">
-                <a:latin typeface="Avenir Next" panose="020B0503020202020204" pitchFamily="34" charset="0"/>
-              </a:rPr>
-              <a:t>=Paul and </a:t>
-            </a:r>
-            <a:r>
-              <a:rPr lang="en-GB" sz="2400" dirty="0" err="1">
-                <a:latin typeface="Avenir Next" panose="020B0503020202020204" pitchFamily="34" charset="0"/>
-              </a:rPr>
-              <a:t>lastName</a:t>
-            </a:r>
-            <a:r>
-              <a:rPr lang="en-GB" sz="2400" dirty="0">
-                <a:latin typeface="Avenir Next" panose="020B0503020202020204" pitchFamily="34" charset="0"/>
-              </a:rPr>
-              <a:t>=John,  </a:t>
-            </a:r>
-          </a:p>
-          <a:p>
-            <a:r>
-              <a:rPr lang="en-GB" sz="2400" dirty="0">
-                <a:latin typeface="Avenir Next" panose="020B0503020202020204" pitchFamily="34" charset="0"/>
-              </a:rPr>
-              <a:t>{</a:t>
-            </a:r>
-          </a:p>
-          <a:p>
-            <a:r>
-              <a:rPr lang="en-GB" sz="2400" dirty="0">
-                <a:latin typeface="Avenir Next" panose="020B0503020202020204" pitchFamily="34" charset="0"/>
-              </a:rPr>
-              <a:t>    "</a:t>
-            </a:r>
-            <a:r>
-              <a:rPr lang="en-GB" sz="2400" dirty="0" err="1">
-                <a:latin typeface="Avenir Next" panose="020B0503020202020204" pitchFamily="34" charset="0"/>
-              </a:rPr>
-              <a:t>fileLocation</a:t>
-            </a:r>
-            <a:r>
-              <a:rPr lang="en-GB" sz="2400" dirty="0">
-                <a:latin typeface="Avenir Next" panose="020B0503020202020204" pitchFamily="34" charset="0"/>
-              </a:rPr>
-              <a:t>": "http://35.10.34.12:5000/u99999-Paul John.mp3",</a:t>
-            </a:r>
-          </a:p>
-          <a:p>
-            <a:r>
-              <a:rPr lang="en-GB" sz="2400" dirty="0">
-                <a:latin typeface="Avenir Next" panose="020B0503020202020204" pitchFamily="34" charset="0"/>
-              </a:rPr>
-              <a:t>    "phonetics": "</a:t>
-            </a:r>
-            <a:r>
-              <a:rPr lang="en-GB" sz="2400" dirty="0" err="1">
-                <a:latin typeface="Avenir Next" panose="020B0503020202020204" pitchFamily="34" charset="0"/>
-              </a:rPr>
-              <a:t>pɔl</a:t>
-            </a:r>
-            <a:r>
-              <a:rPr lang="en-GB" sz="2400" dirty="0">
-                <a:latin typeface="Avenir Next" panose="020B0503020202020204" pitchFamily="34" charset="0"/>
-              </a:rPr>
-              <a:t> </a:t>
-            </a:r>
-            <a:r>
-              <a:rPr lang="en-GB" sz="2400" dirty="0" err="1">
-                <a:latin typeface="Avenir Next" panose="020B0503020202020204" pitchFamily="34" charset="0"/>
-              </a:rPr>
-              <a:t>ʤɑn</a:t>
-            </a:r>
-            <a:r>
-              <a:rPr lang="en-GB" sz="2400" dirty="0">
-                <a:latin typeface="Avenir Next" panose="020B0503020202020204" pitchFamily="34" charset="0"/>
-              </a:rPr>
-              <a:t>"</a:t>
-            </a:r>
-          </a:p>
-          <a:p>
-            <a:r>
-              <a:rPr lang="en-GB" sz="2400" dirty="0">
-                <a:latin typeface="Avenir Next" panose="020B0503020202020204" pitchFamily="34" charset="0"/>
-              </a:rPr>
-              <a:t>}</a:t>
-            </a:r>
-          </a:p>
-          <a:p>
-            <a:br>
-              <a:rPr lang="en-GB" sz="2400" dirty="0">
-                <a:latin typeface="Avenir Next" panose="020B0503020202020204" pitchFamily="34" charset="0"/>
-              </a:rPr>
-            </a:br>
-            <a:endParaRPr lang="en-GB" sz="2400" dirty="0">
-              <a:latin typeface="Avenir Next" panose="020B0503020202020204" pitchFamily="34" charset="0"/>
-            </a:endParaRPr>
-          </a:p>
-        </p:txBody>
-      </p:sp>
-    </p:spTree>
-    <p:extLst>
-      <p:ext uri="{BB962C8B-B14F-4D97-AF65-F5344CB8AC3E}">
-        <p14:creationId xmlns:p14="http://schemas.microsoft.com/office/powerpoint/2010/main" val="1340647293"/>
-      </p:ext>
-    </p:extLst>
-  </p:cSld>
-  <p:clrMapOvr>
-    <a:overrideClrMapping bg1="lt1" tx1="dk1" bg2="lt2" tx2="dk2" accent1="accent1" accent2="accent2" accent3="accent3" accent4="accent4" accent5="accent5" accent6="accent6" hlink="hlink" folHlink="folHlink"/>
   </p:clrMapOvr>
 </p:sld>
 </file>
